--- a/ms_fig/ms_fig_2.pptx
+++ b/ms_fig/ms_fig_2.pptx
@@ -201,7 +201,7 @@
           <a:p>
             <a:fld id="{3959A119-9587-4BAF-8600-E8138F86BBBE}" type="datetimeFigureOut">
               <a:rPr lang="en-US" smtClean="0"/>
-              <a:t>15/02/2016</a:t>
+              <a:t>16/02/2016</a:t>
             </a:fld>
             <a:endParaRPr lang="en-US"/>
           </a:p>
@@ -804,23 +804,11 @@
             </a:pPr>
             <a:r>
               <a:rPr lang="en-US" dirty="0" smtClean="0"/>
-              <a:t>Solar </a:t>
-            </a:r>
-            <a:r>
-              <a:rPr lang="en-US" dirty="0" smtClean="0"/>
-              <a:t>radiation was increased</a:t>
+              <a:t>Solar radiation was increased</a:t>
             </a:r>
             <a:r>
               <a:rPr lang="en-US" baseline="0" dirty="0" smtClean="0"/>
-              <a:t> from 0 to 0.25 of maximum value during 6 hours. Temperature is fixed. Wind speed </a:t>
-            </a:r>
-            <a:r>
-              <a:rPr lang="en-US" baseline="0" dirty="0" smtClean="0"/>
-              <a:t>0.1 </a:t>
-            </a:r>
-            <a:r>
-              <a:rPr lang="en-US" baseline="0" dirty="0" smtClean="0"/>
-              <a:t>m/s</a:t>
+              <a:t> from 0 to 0.25 of maximum value during 6 hours. Temperature is fixed. Wind speed 0.1 m/s</a:t>
             </a:r>
             <a:endParaRPr lang="en-US" dirty="0"/>
           </a:p>
@@ -1088,7 +1076,15 @@
             </a:pPr>
             <a:r>
               <a:rPr lang="en-US" baseline="0" dirty="0" smtClean="0"/>
-              <a:t>Warm-up is added and temperature increases by 15 during the day which peaks at mid afternoon.</a:t>
+              <a:t>Warm-up is added and temperature increases by 15 during the day which peaks at </a:t>
+            </a:r>
+            <a:r>
+              <a:rPr lang="en-US" baseline="0" smtClean="0"/>
+              <a:t>30 in mid </a:t>
+            </a:r>
+            <a:r>
+              <a:rPr lang="en-US" baseline="0" dirty="0" smtClean="0"/>
+              <a:t>afternoon.</a:t>
             </a:r>
           </a:p>
           <a:p>
@@ -1097,7 +1093,11 @@
             </a:pPr>
             <a:r>
               <a:rPr lang="en-US" baseline="0" dirty="0" smtClean="0"/>
-              <a:t>Other parameters: b3 = 1, b2 = b1  = 0.75, metabolic scope = 20, aw = 1.25.</a:t>
+              <a:t>Other parameters: b3 = 1, b2 = b1  = 0.75, metabolic scope = 20, aw = 1.25</a:t>
+            </a:r>
+            <a:r>
+              <a:rPr lang="en-US" baseline="0" dirty="0" smtClean="0"/>
+              <a:t>.</a:t>
             </a:r>
             <a:endParaRPr lang="en-US" dirty="0"/>
           </a:p>
@@ -1270,7 +1270,7 @@
           <a:p>
             <a:fld id="{BE59CCFF-7F30-4EBF-8C9D-A17B7370DFFF}" type="datetimeFigureOut">
               <a:rPr lang="en-US" smtClean="0"/>
-              <a:t>15/02/2016</a:t>
+              <a:t>16/02/2016</a:t>
             </a:fld>
             <a:endParaRPr lang="en-US"/>
           </a:p>
@@ -1440,7 +1440,7 @@
           <a:p>
             <a:fld id="{BE59CCFF-7F30-4EBF-8C9D-A17B7370DFFF}" type="datetimeFigureOut">
               <a:rPr lang="en-US" smtClean="0"/>
-              <a:t>15/02/2016</a:t>
+              <a:t>16/02/2016</a:t>
             </a:fld>
             <a:endParaRPr lang="en-US"/>
           </a:p>
@@ -1620,7 +1620,7 @@
           <a:p>
             <a:fld id="{BE59CCFF-7F30-4EBF-8C9D-A17B7370DFFF}" type="datetimeFigureOut">
               <a:rPr lang="en-US" smtClean="0"/>
-              <a:t>15/02/2016</a:t>
+              <a:t>16/02/2016</a:t>
             </a:fld>
             <a:endParaRPr lang="en-US"/>
           </a:p>
@@ -1790,7 +1790,7 @@
           <a:p>
             <a:fld id="{BE59CCFF-7F30-4EBF-8C9D-A17B7370DFFF}" type="datetimeFigureOut">
               <a:rPr lang="en-US" smtClean="0"/>
-              <a:t>15/02/2016</a:t>
+              <a:t>16/02/2016</a:t>
             </a:fld>
             <a:endParaRPr lang="en-US"/>
           </a:p>
@@ -2036,7 +2036,7 @@
           <a:p>
             <a:fld id="{BE59CCFF-7F30-4EBF-8C9D-A17B7370DFFF}" type="datetimeFigureOut">
               <a:rPr lang="en-US" smtClean="0"/>
-              <a:t>15/02/2016</a:t>
+              <a:t>16/02/2016</a:t>
             </a:fld>
             <a:endParaRPr lang="en-US"/>
           </a:p>
@@ -2268,7 +2268,7 @@
           <a:p>
             <a:fld id="{BE59CCFF-7F30-4EBF-8C9D-A17B7370DFFF}" type="datetimeFigureOut">
               <a:rPr lang="en-US" smtClean="0"/>
-              <a:t>15/02/2016</a:t>
+              <a:t>16/02/2016</a:t>
             </a:fld>
             <a:endParaRPr lang="en-US"/>
           </a:p>
@@ -2635,7 +2635,7 @@
           <a:p>
             <a:fld id="{BE59CCFF-7F30-4EBF-8C9D-A17B7370DFFF}" type="datetimeFigureOut">
               <a:rPr lang="en-US" smtClean="0"/>
-              <a:t>15/02/2016</a:t>
+              <a:t>16/02/2016</a:t>
             </a:fld>
             <a:endParaRPr lang="en-US"/>
           </a:p>
@@ -2753,7 +2753,7 @@
           <a:p>
             <a:fld id="{BE59CCFF-7F30-4EBF-8C9D-A17B7370DFFF}" type="datetimeFigureOut">
               <a:rPr lang="en-US" smtClean="0"/>
-              <a:t>15/02/2016</a:t>
+              <a:t>16/02/2016</a:t>
             </a:fld>
             <a:endParaRPr lang="en-US"/>
           </a:p>
@@ -2848,7 +2848,7 @@
           <a:p>
             <a:fld id="{BE59CCFF-7F30-4EBF-8C9D-A17B7370DFFF}" type="datetimeFigureOut">
               <a:rPr lang="en-US" smtClean="0"/>
-              <a:t>15/02/2016</a:t>
+              <a:t>16/02/2016</a:t>
             </a:fld>
             <a:endParaRPr lang="en-US"/>
           </a:p>
@@ -3125,7 +3125,7 @@
           <a:p>
             <a:fld id="{BE59CCFF-7F30-4EBF-8C9D-A17B7370DFFF}" type="datetimeFigureOut">
               <a:rPr lang="en-US" smtClean="0"/>
-              <a:t>15/02/2016</a:t>
+              <a:t>16/02/2016</a:t>
             </a:fld>
             <a:endParaRPr lang="en-US"/>
           </a:p>
@@ -3378,7 +3378,7 @@
           <a:p>
             <a:fld id="{BE59CCFF-7F30-4EBF-8C9D-A17B7370DFFF}" type="datetimeFigureOut">
               <a:rPr lang="en-US" smtClean="0"/>
-              <a:t>15/02/2016</a:t>
+              <a:t>16/02/2016</a:t>
             </a:fld>
             <a:endParaRPr lang="en-US"/>
           </a:p>
@@ -3591,7 +3591,7 @@
           <a:p>
             <a:fld id="{BE59CCFF-7F30-4EBF-8C9D-A17B7370DFFF}" type="datetimeFigureOut">
               <a:rPr lang="en-US" smtClean="0"/>
-              <a:t>15/02/2016</a:t>
+              <a:t>16/02/2016</a:t>
             </a:fld>
             <a:endParaRPr lang="en-US"/>
           </a:p>
@@ -4034,7 +4034,7 @@
         </p:nvSpPr>
         <p:spPr>
           <a:xfrm>
-            <a:off x="4496916" y="4297620"/>
+            <a:off x="4306711" y="4298210"/>
             <a:ext cx="2632452" cy="461665"/>
           </a:xfrm>
           <a:prstGeom prst="rect">
@@ -4070,7 +4070,7 @@
         </p:nvSpPr>
         <p:spPr>
           <a:xfrm rot="16200000">
-            <a:off x="574349" y="2861542"/>
+            <a:off x="701349" y="2861542"/>
             <a:ext cx="1332416" cy="461665"/>
           </a:xfrm>
           <a:prstGeom prst="rect">
@@ -4240,8 +4240,8 @@
             </p:nvSpPr>
             <p:spPr>
               <a:xfrm rot="16200000">
-                <a:off x="435828" y="3137750"/>
-                <a:ext cx="1970860" cy="585481"/>
+                <a:off x="545409" y="3170259"/>
+                <a:ext cx="1751698" cy="520463"/>
               </a:xfrm>
               <a:prstGeom prst="rect">
                 <a:avLst/>
@@ -4254,6 +4254,7 @@
               </a:bodyPr>
               <a:lstStyle/>
               <a:p>
+                <a:pPr/>
                 <a14:m>
                   <m:oMathPara xmlns:m="http://schemas.openxmlformats.org/officeDocument/2006/math">
                     <m:oMathParaPr>
@@ -4264,7 +4265,7 @@
                         <m:accPr>
                           <m:chr m:val="̃"/>
                           <m:ctrlPr>
-                            <a:rPr lang="en-US" sz="3600" b="0" i="1" smtClean="0">
+                            <a:rPr lang="en-US" sz="3200" b="0" i="1" smtClean="0">
                               <a:latin typeface="Cambria Math" panose="02040503050406030204" pitchFamily="18" charset="0"/>
                               <a:ea typeface="Cambria Math" panose="02040503050406030204" pitchFamily="18" charset="0"/>
                             </a:rPr>
@@ -4272,7 +4273,7 @@
                         </m:accPr>
                         <m:e>
                           <m:r>
-                            <a:rPr lang="en-US" sz="3600" i="1">
+                            <a:rPr lang="en-US" sz="3200" i="1">
                               <a:latin typeface="Cambria Math" panose="02040503050406030204" pitchFamily="18" charset="0"/>
                               <a:ea typeface="Cambria Math" panose="02040503050406030204" pitchFamily="18" charset="0"/>
                             </a:rPr>
@@ -4281,7 +4282,7 @@
                           <m:sSub>
                             <m:sSubPr>
                               <m:ctrlPr>
-                                <a:rPr lang="en-US" sz="3600" i="1">
+                                <a:rPr lang="en-US" sz="3200" i="1">
                                   <a:latin typeface="Cambria Math" panose="02040503050406030204" pitchFamily="18" charset="0"/>
                                   <a:ea typeface="Cambria Math" panose="02040503050406030204" pitchFamily="18" charset="0"/>
                                 </a:rPr>
@@ -4289,7 +4290,7 @@
                             </m:sSubPr>
                             <m:e>
                               <m:r>
-                                <a:rPr lang="en-US" sz="3600" i="1">
+                                <a:rPr lang="en-US" sz="3200" i="1">
                                   <a:latin typeface="Cambria Math" panose="02040503050406030204" pitchFamily="18" charset="0"/>
                                   <a:ea typeface="Cambria Math" panose="02040503050406030204" pitchFamily="18" charset="0"/>
                                 </a:rPr>
@@ -4298,7 +4299,7 @@
                             </m:e>
                             <m:sub>
                               <m:r>
-                                <a:rPr lang="en-US" sz="3600" i="1">
+                                <a:rPr lang="en-US" sz="3200" i="1">
                                   <a:latin typeface="Cambria Math" panose="02040503050406030204" pitchFamily="18" charset="0"/>
                                   <a:ea typeface="Cambria Math" panose="02040503050406030204" pitchFamily="18" charset="0"/>
                                 </a:rPr>
@@ -4309,7 +4310,7 @@
                         </m:e>
                       </m:acc>
                       <m:r>
-                        <a:rPr lang="en-US" sz="3600" b="0" i="1" smtClean="0">
+                        <a:rPr lang="en-US" sz="3200" b="0" i="1" smtClean="0">
                           <a:latin typeface="Cambria Math" panose="02040503050406030204" pitchFamily="18" charset="0"/>
                           <a:ea typeface="Cambria Math" panose="02040503050406030204" pitchFamily="18" charset="0"/>
                         </a:rPr>
@@ -4319,7 +4320,7 @@
                         <m:accPr>
                           <m:chr m:val="̃"/>
                           <m:ctrlPr>
-                            <a:rPr lang="en-US" sz="3600" b="0" i="1" smtClean="0">
+                            <a:rPr lang="en-US" sz="3200" b="0" i="1" smtClean="0">
                               <a:latin typeface="Cambria Math" panose="02040503050406030204" pitchFamily="18" charset="0"/>
                               <a:ea typeface="Cambria Math" panose="02040503050406030204" pitchFamily="18" charset="0"/>
                             </a:rPr>
@@ -4329,7 +4330,7 @@
                           <m:sSub>
                             <m:sSubPr>
                               <m:ctrlPr>
-                                <a:rPr lang="en-US" sz="3600" b="0" i="1" smtClean="0">
+                                <a:rPr lang="en-US" sz="3200" b="0" i="1" smtClean="0">
                                   <a:latin typeface="Cambria Math" panose="02040503050406030204" pitchFamily="18" charset="0"/>
                                   <a:ea typeface="Cambria Math" panose="02040503050406030204" pitchFamily="18" charset="0"/>
                                 </a:rPr>
@@ -4337,7 +4338,7 @@
                             </m:sSubPr>
                             <m:e>
                               <m:r>
-                                <a:rPr lang="en-US" sz="3600" b="0" i="1" smtClean="0">
+                                <a:rPr lang="en-US" sz="3200" b="0" i="1" smtClean="0">
                                   <a:latin typeface="Cambria Math" panose="02040503050406030204" pitchFamily="18" charset="0"/>
                                   <a:ea typeface="Cambria Math" panose="02040503050406030204" pitchFamily="18" charset="0"/>
                                 </a:rPr>
@@ -4346,7 +4347,7 @@
                             </m:e>
                             <m:sub>
                               <m:r>
-                                <a:rPr lang="en-US" sz="3600" b="0" i="1" smtClean="0">
+                                <a:rPr lang="en-US" sz="3200" b="0" i="1" smtClean="0">
                                   <a:latin typeface="Cambria Math" panose="02040503050406030204" pitchFamily="18" charset="0"/>
                                   <a:ea typeface="Cambria Math" panose="02040503050406030204" pitchFamily="18" charset="0"/>
                                 </a:rPr>
@@ -4357,14 +4358,14 @@
                         </m:e>
                       </m:acc>
                       <m:r>
-                        <a:rPr lang="en-US" sz="3600" b="0" i="1" smtClean="0">
+                        <a:rPr lang="en-US" sz="3200" b="0" i="1" smtClean="0">
                           <a:latin typeface="Cambria Math" panose="02040503050406030204" pitchFamily="18" charset="0"/>
                           <a:ea typeface="Cambria Math" panose="02040503050406030204" pitchFamily="18" charset="0"/>
                         </a:rPr>
                         <m:t>, </m:t>
                       </m:r>
                       <m:r>
-                        <a:rPr lang="en-US" sz="3600" i="1" smtClean="0">
+                        <a:rPr lang="en-US" sz="3200" i="1" smtClean="0">
                           <a:latin typeface="Cambria Math" panose="02040503050406030204" pitchFamily="18" charset="0"/>
                           <a:ea typeface="Cambria Math" panose="02040503050406030204" pitchFamily="18" charset="0"/>
                         </a:rPr>
@@ -4373,7 +4374,7 @@
                     </m:oMath>
                   </m:oMathPara>
                 </a14:m>
-                <a:endParaRPr lang="en-US" sz="1400" dirty="0"/>
+                <a:endParaRPr lang="en-US" sz="1200" dirty="0"/>
               </a:p>
             </p:txBody>
           </p:sp>
@@ -4389,8 +4390,8 @@
             </p:nvSpPr>
             <p:spPr>
               <a:xfrm rot="16200000">
-                <a:off x="435828" y="3137750"/>
-                <a:ext cx="1970860" cy="585481"/>
+                <a:off x="545409" y="3170259"/>
+                <a:ext cx="1751698" cy="520463"/>
               </a:xfrm>
               <a:prstGeom prst="rect">
                 <a:avLst/>
@@ -4635,7 +4636,7 @@
         </p:nvSpPr>
         <p:spPr>
           <a:xfrm rot="16200000">
-            <a:off x="-856020" y="2913574"/>
+            <a:off x="-729020" y="3040574"/>
             <a:ext cx="2991525" cy="461665"/>
           </a:xfrm>
           <a:prstGeom prst="rect">
@@ -4655,14 +4656,7 @@
                 <a:latin typeface="Arial" panose="020B0604020202020204" pitchFamily="34" charset="0"/>
                 <a:cs typeface="Arial" panose="020B0604020202020204" pitchFamily="34" charset="0"/>
               </a:rPr>
-              <a:t>Lowest </a:t>
-            </a:r>
-            <a:r>
-              <a:rPr lang="en-US" sz="2400" dirty="0" smtClean="0">
-                <a:latin typeface="Arial" panose="020B0604020202020204" pitchFamily="34" charset="0"/>
-                <a:cs typeface="Arial" panose="020B0604020202020204" pitchFamily="34" charset="0"/>
-              </a:rPr>
-              <a:t>temperature </a:t>
+              <a:t>Lowest temperature </a:t>
             </a:r>
             <a:endParaRPr lang="en-US" sz="2400" dirty="0">
               <a:latin typeface="Arial" panose="020B0604020202020204" pitchFamily="34" charset="0"/>
@@ -4679,7 +4673,7 @@
         </p:nvSpPr>
         <p:spPr>
           <a:xfrm>
-            <a:off x="4665855" y="4457623"/>
+            <a:off x="4665855" y="4330623"/>
             <a:ext cx="2632452" cy="461665"/>
           </a:xfrm>
           <a:prstGeom prst="rect">
@@ -4860,7 +4854,7 @@
         </p:nvSpPr>
         <p:spPr>
           <a:xfrm>
-            <a:off x="10557474" y="2419643"/>
+            <a:off x="10557474" y="2546643"/>
             <a:ext cx="1402948" cy="369332"/>
           </a:xfrm>
           <a:prstGeom prst="rect">
@@ -4879,14 +4873,7 @@
                 <a:latin typeface="Arial" panose="020B0604020202020204" pitchFamily="34" charset="0"/>
                 <a:cs typeface="Arial" panose="020B0604020202020204" pitchFamily="34" charset="0"/>
               </a:rPr>
-              <a:t>C</a:t>
-            </a:r>
-            <a:r>
-              <a:rPr lang="en-US" dirty="0" smtClean="0">
-                <a:latin typeface="Arial" panose="020B0604020202020204" pitchFamily="34" charset="0"/>
-                <a:cs typeface="Arial" panose="020B0604020202020204" pitchFamily="34" charset="0"/>
-              </a:rPr>
-              <a:t>onvection:</a:t>
+              <a:t>Convection:</a:t>
             </a:r>
             <a:endParaRPr lang="en-US" dirty="0">
               <a:latin typeface="Arial" panose="020B0604020202020204" pitchFamily="34" charset="0"/>
@@ -4931,7 +4918,219 @@
               </a:rPr>
               <a:t>3</a:t>
             </a:r>
-            <a:endParaRPr lang="en-US" sz="2400" dirty="0">
+          </a:p>
+        </p:txBody>
+      </p:sp>
+      <p:sp>
+        <p:nvSpPr>
+          <p:cNvPr id="10" name="TextBox 9"/>
+          <p:cNvSpPr txBox="1"/>
+          <p:nvPr/>
+        </p:nvSpPr>
+        <p:spPr>
+          <a:xfrm>
+            <a:off x="2104540" y="1463978"/>
+            <a:ext cx="1236236" cy="369332"/>
+          </a:xfrm>
+          <a:prstGeom prst="rect">
+            <a:avLst/>
+          </a:prstGeom>
+          <a:noFill/>
+        </p:spPr>
+        <p:txBody>
+          <a:bodyPr wrap="none" rtlCol="0">
+            <a:spAutoFit/>
+          </a:bodyPr>
+          <a:lstStyle/>
+          <a:p>
+            <a:r>
+              <a:rPr lang="en-US" dirty="0" smtClean="0">
+                <a:latin typeface="Arial" panose="020B0604020202020204" pitchFamily="34" charset="0"/>
+                <a:cs typeface="Arial" panose="020B0604020202020204" pitchFamily="34" charset="0"/>
+              </a:rPr>
+              <a:t>Ectotherm</a:t>
+            </a:r>
+            <a:endParaRPr lang="en-US" dirty="0">
+              <a:latin typeface="Arial" panose="020B0604020202020204" pitchFamily="34" charset="0"/>
+              <a:cs typeface="Arial" panose="020B0604020202020204" pitchFamily="34" charset="0"/>
+            </a:endParaRPr>
+          </a:p>
+        </p:txBody>
+      </p:sp>
+      <p:sp>
+        <p:nvSpPr>
+          <p:cNvPr id="12" name="TextBox 11"/>
+          <p:cNvSpPr txBox="1"/>
+          <p:nvPr/>
+        </p:nvSpPr>
+        <p:spPr>
+          <a:xfrm>
+            <a:off x="8458218" y="1506850"/>
+            <a:ext cx="1313180" cy="369332"/>
+          </a:xfrm>
+          <a:prstGeom prst="rect">
+            <a:avLst/>
+          </a:prstGeom>
+          <a:noFill/>
+        </p:spPr>
+        <p:txBody>
+          <a:bodyPr wrap="none" rtlCol="0">
+            <a:spAutoFit/>
+          </a:bodyPr>
+          <a:lstStyle/>
+          <a:p>
+            <a:r>
+              <a:rPr lang="en-US" dirty="0" smtClean="0">
+                <a:latin typeface="Arial" panose="020B0604020202020204" pitchFamily="34" charset="0"/>
+                <a:cs typeface="Arial" panose="020B0604020202020204" pitchFamily="34" charset="0"/>
+              </a:rPr>
+              <a:t>Endotherm</a:t>
+            </a:r>
+            <a:endParaRPr lang="en-US" dirty="0">
+              <a:latin typeface="Arial" panose="020B0604020202020204" pitchFamily="34" charset="0"/>
+              <a:cs typeface="Arial" panose="020B0604020202020204" pitchFamily="34" charset="0"/>
+            </a:endParaRPr>
+          </a:p>
+        </p:txBody>
+      </p:sp>
+      <p:sp>
+        <p:nvSpPr>
+          <p:cNvPr id="13" name="TextBox 12"/>
+          <p:cNvSpPr txBox="1"/>
+          <p:nvPr/>
+        </p:nvSpPr>
+        <p:spPr>
+          <a:xfrm>
+            <a:off x="1863543" y="1755392"/>
+            <a:ext cx="1826141" cy="369332"/>
+          </a:xfrm>
+          <a:prstGeom prst="rect">
+            <a:avLst/>
+          </a:prstGeom>
+          <a:noFill/>
+        </p:spPr>
+        <p:txBody>
+          <a:bodyPr wrap="none" rtlCol="0">
+            <a:spAutoFit/>
+          </a:bodyPr>
+          <a:lstStyle/>
+          <a:p>
+            <a:r>
+              <a:rPr lang="en-US" dirty="0" smtClean="0">
+                <a:latin typeface="Arial" panose="020B0604020202020204" pitchFamily="34" charset="0"/>
+                <a:cs typeface="Arial" panose="020B0604020202020204" pitchFamily="34" charset="0"/>
+              </a:rPr>
+              <a:t>Free convection</a:t>
+            </a:r>
+            <a:endParaRPr lang="en-US" dirty="0">
+              <a:latin typeface="Arial" panose="020B0604020202020204" pitchFamily="34" charset="0"/>
+              <a:cs typeface="Arial" panose="020B0604020202020204" pitchFamily="34" charset="0"/>
+            </a:endParaRPr>
+          </a:p>
+        </p:txBody>
+      </p:sp>
+      <p:sp>
+        <p:nvSpPr>
+          <p:cNvPr id="14" name="TextBox 13"/>
+          <p:cNvSpPr txBox="1"/>
+          <p:nvPr/>
+        </p:nvSpPr>
+        <p:spPr>
+          <a:xfrm>
+            <a:off x="4923649" y="1755392"/>
+            <a:ext cx="2185214" cy="369332"/>
+          </a:xfrm>
+          <a:prstGeom prst="rect">
+            <a:avLst/>
+          </a:prstGeom>
+          <a:noFill/>
+        </p:spPr>
+        <p:txBody>
+          <a:bodyPr wrap="none" rtlCol="0">
+            <a:spAutoFit/>
+          </a:bodyPr>
+          <a:lstStyle/>
+          <a:p>
+            <a:r>
+              <a:rPr lang="en-US" dirty="0" smtClean="0">
+                <a:latin typeface="Arial" panose="020B0604020202020204" pitchFamily="34" charset="0"/>
+                <a:cs typeface="Arial" panose="020B0604020202020204" pitchFamily="34" charset="0"/>
+              </a:rPr>
+              <a:t>Laminar convection</a:t>
+            </a:r>
+            <a:endParaRPr lang="en-US" dirty="0">
+              <a:latin typeface="Arial" panose="020B0604020202020204" pitchFamily="34" charset="0"/>
+              <a:cs typeface="Arial" panose="020B0604020202020204" pitchFamily="34" charset="0"/>
+            </a:endParaRPr>
+          </a:p>
+        </p:txBody>
+      </p:sp>
+      <p:sp>
+        <p:nvSpPr>
+          <p:cNvPr id="15" name="TextBox 14"/>
+          <p:cNvSpPr txBox="1"/>
+          <p:nvPr/>
+        </p:nvSpPr>
+        <p:spPr>
+          <a:xfrm>
+            <a:off x="8201930" y="1755392"/>
+            <a:ext cx="1826141" cy="369332"/>
+          </a:xfrm>
+          <a:prstGeom prst="rect">
+            <a:avLst/>
+          </a:prstGeom>
+          <a:noFill/>
+        </p:spPr>
+        <p:txBody>
+          <a:bodyPr wrap="none" rtlCol="0">
+            <a:spAutoFit/>
+          </a:bodyPr>
+          <a:lstStyle/>
+          <a:p>
+            <a:r>
+              <a:rPr lang="en-US" dirty="0" smtClean="0">
+                <a:latin typeface="Arial" panose="020B0604020202020204" pitchFamily="34" charset="0"/>
+                <a:cs typeface="Arial" panose="020B0604020202020204" pitchFamily="34" charset="0"/>
+              </a:rPr>
+              <a:t>Free convection</a:t>
+            </a:r>
+            <a:endParaRPr lang="en-US" dirty="0">
+              <a:latin typeface="Arial" panose="020B0604020202020204" pitchFamily="34" charset="0"/>
+              <a:cs typeface="Arial" panose="020B0604020202020204" pitchFamily="34" charset="0"/>
+            </a:endParaRPr>
+          </a:p>
+        </p:txBody>
+      </p:sp>
+      <p:sp>
+        <p:nvSpPr>
+          <p:cNvPr id="16" name="TextBox 15"/>
+          <p:cNvSpPr txBox="1"/>
+          <p:nvPr/>
+        </p:nvSpPr>
+        <p:spPr>
+          <a:xfrm>
+            <a:off x="5304940" y="1489378"/>
+            <a:ext cx="1236236" cy="369332"/>
+          </a:xfrm>
+          <a:prstGeom prst="rect">
+            <a:avLst/>
+          </a:prstGeom>
+          <a:noFill/>
+        </p:spPr>
+        <p:txBody>
+          <a:bodyPr wrap="none" rtlCol="0">
+            <a:spAutoFit/>
+          </a:bodyPr>
+          <a:lstStyle/>
+          <a:p>
+            <a:r>
+              <a:rPr lang="en-US" dirty="0" smtClean="0">
+                <a:latin typeface="Arial" panose="020B0604020202020204" pitchFamily="34" charset="0"/>
+                <a:cs typeface="Arial" panose="020B0604020202020204" pitchFamily="34" charset="0"/>
+              </a:rPr>
+              <a:t>Ectotherm</a:t>
+            </a:r>
+            <a:endParaRPr lang="en-US" dirty="0">
               <a:latin typeface="Arial" panose="020B0604020202020204" pitchFamily="34" charset="0"/>
               <a:cs typeface="Arial" panose="020B0604020202020204" pitchFamily="34" charset="0"/>
             </a:endParaRPr>
@@ -5108,14 +5307,7 @@
                 <a:latin typeface="Arial" panose="020B0604020202020204" pitchFamily="34" charset="0"/>
                 <a:cs typeface="Arial" panose="020B0604020202020204" pitchFamily="34" charset="0"/>
               </a:rPr>
-              <a:t>Figure </a:t>
-            </a:r>
-            <a:r>
-              <a:rPr lang="en-US" sz="2400" dirty="0" smtClean="0">
-                <a:latin typeface="Arial" panose="020B0604020202020204" pitchFamily="34" charset="0"/>
-                <a:cs typeface="Arial" panose="020B0604020202020204" pitchFamily="34" charset="0"/>
-              </a:rPr>
-              <a:t>4</a:t>
+              <a:t>Figure 4</a:t>
             </a:r>
             <a:endParaRPr lang="en-US" sz="2400" dirty="0">
               <a:latin typeface="Arial" panose="020B0604020202020204" pitchFamily="34" charset="0"/>
@@ -5469,7 +5661,7 @@
         </p:nvSpPr>
         <p:spPr>
           <a:xfrm rot="16200000">
-            <a:off x="81902" y="2793842"/>
+            <a:off x="208902" y="2793842"/>
             <a:ext cx="1332416" cy="461665"/>
           </a:xfrm>
           <a:prstGeom prst="rect">
@@ -5835,10 +6027,6 @@
               </a:rPr>
               <a:t>5</a:t>
             </a:r>
-            <a:endParaRPr lang="en-US" sz="2400" dirty="0">
-              <a:latin typeface="Arial" panose="020B0604020202020204" pitchFamily="34" charset="0"/>
-              <a:cs typeface="Arial" panose="020B0604020202020204" pitchFamily="34" charset="0"/>
-            </a:endParaRPr>
           </a:p>
         </p:txBody>
       </p:sp>
